--- a/report/Video Editor.pptx
+++ b/report/Video Editor.pptx
@@ -5,7 +5,7 @@
     <p:sldMasterId id="2147483682" r:id="rId1"/>
   </p:sldMasterIdLst>
   <p:notesMasterIdLst>
-    <p:notesMasterId r:id="rId15"/>
+    <p:notesMasterId r:id="rId16"/>
   </p:notesMasterIdLst>
   <p:sldIdLst>
     <p:sldId id="256" r:id="rId2"/>
@@ -19,22 +19,23 @@
     <p:sldId id="314" r:id="rId10"/>
     <p:sldId id="275" r:id="rId11"/>
     <p:sldId id="315" r:id="rId12"/>
-    <p:sldId id="268" r:id="rId13"/>
-    <p:sldId id="317" r:id="rId14"/>
+    <p:sldId id="318" r:id="rId13"/>
+    <p:sldId id="268" r:id="rId14"/>
+    <p:sldId id="317" r:id="rId15"/>
   </p:sldIdLst>
   <p:sldSz cx="9144000" cy="5143500" type="screen16x9"/>
   <p:notesSz cx="6858000" cy="9144000"/>
   <p:embeddedFontLst>
     <p:embeddedFont>
       <p:font typeface="Open Sans" panose="020B0606030504020204" pitchFamily="34" charset="0"/>
-      <p:regular r:id="rId16"/>
-      <p:bold r:id="rId17"/>
-      <p:italic r:id="rId18"/>
-      <p:boldItalic r:id="rId19"/>
+      <p:regular r:id="rId17"/>
+      <p:bold r:id="rId18"/>
+      <p:italic r:id="rId19"/>
+      <p:boldItalic r:id="rId20"/>
     </p:embeddedFont>
     <p:embeddedFont>
       <p:font typeface="Staatliches" pitchFamily="2" charset="0"/>
-      <p:regular r:id="rId20"/>
+      <p:regular r:id="rId21"/>
     </p:embeddedFont>
   </p:embeddedFontLst>
   <p:defaultTextStyle>
@@ -1037,6 +1038,115 @@
   <p:cSld>
     <p:spTree>
       <p:nvGrpSpPr>
+        <p:cNvPr id="1" name="Shape 670"/>
+        <p:cNvGrpSpPr/>
+        <p:nvPr/>
+      </p:nvGrpSpPr>
+      <p:grpSpPr>
+        <a:xfrm>
+          <a:off x="0" y="0"/>
+          <a:ext cx="0" cy="0"/>
+          <a:chOff x="0" y="0"/>
+          <a:chExt cx="0" cy="0"/>
+        </a:xfrm>
+      </p:grpSpPr>
+      <p:sp>
+        <p:nvSpPr>
+          <p:cNvPr id="671" name="Google Shape;671;ge8229b7982_0_234:notes"/>
+          <p:cNvSpPr>
+            <a:spLocks noGrp="1" noRot="1" noChangeAspect="1"/>
+          </p:cNvSpPr>
+          <p:nvPr>
+            <p:ph type="sldImg" idx="2"/>
+          </p:nvPr>
+        </p:nvSpPr>
+        <p:spPr>
+          <a:xfrm>
+            <a:off x="381000" y="685800"/>
+            <a:ext cx="6096000" cy="3429000"/>
+          </a:xfrm>
+          <a:custGeom>
+            <a:avLst/>
+            <a:gdLst/>
+            <a:ahLst/>
+            <a:cxnLst/>
+            <a:rect l="l" t="t" r="r" b="b"/>
+            <a:pathLst>
+              <a:path w="120000" h="120000" extrusionOk="0">
+                <a:moveTo>
+                  <a:pt x="0" y="0"/>
+                </a:moveTo>
+                <a:lnTo>
+                  <a:pt x="120000" y="0"/>
+                </a:lnTo>
+                <a:lnTo>
+                  <a:pt x="120000" y="120000"/>
+                </a:lnTo>
+                <a:lnTo>
+                  <a:pt x="0" y="120000"/>
+                </a:lnTo>
+                <a:close/>
+              </a:path>
+            </a:pathLst>
+          </a:custGeom>
+        </p:spPr>
+      </p:sp>
+      <p:sp>
+        <p:nvSpPr>
+          <p:cNvPr id="672" name="Google Shape;672;ge8229b7982_0_234:notes"/>
+          <p:cNvSpPr txBox="1">
+            <a:spLocks noGrp="1"/>
+          </p:cNvSpPr>
+          <p:nvPr>
+            <p:ph type="body" idx="1"/>
+          </p:nvPr>
+        </p:nvSpPr>
+        <p:spPr>
+          <a:xfrm>
+            <a:off x="685800" y="4343400"/>
+            <a:ext cx="5486400" cy="4114800"/>
+          </a:xfrm>
+          <a:prstGeom prst="rect">
+            <a:avLst/>
+          </a:prstGeom>
+        </p:spPr>
+        <p:txBody>
+          <a:bodyPr spcFirstLastPara="1" wrap="square" lIns="91425" tIns="91425" rIns="91425" bIns="91425" anchor="t" anchorCtr="0">
+            <a:noAutofit/>
+          </a:bodyPr>
+          <a:lstStyle/>
+          <a:p>
+            <a:pPr marL="0" lvl="0" indent="0" algn="l" rtl="0">
+              <a:spcBef>
+                <a:spcPts val="0"/>
+              </a:spcBef>
+              <a:spcAft>
+                <a:spcPts val="0"/>
+              </a:spcAft>
+              <a:buNone/>
+            </a:pPr>
+            <a:endParaRPr/>
+          </a:p>
+        </p:txBody>
+      </p:sp>
+    </p:spTree>
+    <p:extLst>
+      <p:ext uri="{BB962C8B-B14F-4D97-AF65-F5344CB8AC3E}">
+        <p14:creationId xmlns:p14="http://schemas.microsoft.com/office/powerpoint/2010/main" val="587222099"/>
+      </p:ext>
+    </p:extLst>
+  </p:cSld>
+  <p:clrMapOvr>
+    <a:masterClrMapping/>
+  </p:clrMapOvr>
+</p:notes>
+</file>
+
+<file path=ppt/notesSlides/notesSlide13.xml><?xml version="1.0" encoding="utf-8"?>
+<p:notes xmlns:a="http://schemas.openxmlformats.org/drawingml/2006/main" xmlns:r="http://schemas.openxmlformats.org/officeDocument/2006/relationships" xmlns:p="http://schemas.openxmlformats.org/presentationml/2006/main" showMasterSp="0" showMasterPhAnim="0">
+  <p:cSld>
+    <p:spTree>
+      <p:nvGrpSpPr>
         <p:cNvPr id="1" name="Shape 793"/>
         <p:cNvGrpSpPr/>
         <p:nvPr/>
@@ -1136,7 +1246,7 @@
 </p:notes>
 </file>
 
-<file path=ppt/notesSlides/notesSlide13.xml><?xml version="1.0" encoding="utf-8"?>
+<file path=ppt/notesSlides/notesSlide14.xml><?xml version="1.0" encoding="utf-8"?>
 <p:notes xmlns:a="http://schemas.openxmlformats.org/drawingml/2006/main" xmlns:r="http://schemas.openxmlformats.org/officeDocument/2006/relationships" xmlns:p="http://schemas.openxmlformats.org/presentationml/2006/main" showMasterSp="0" showMasterPhAnim="0">
   <p:cSld>
     <p:spTree>
@@ -18614,6 +18724,771 @@
 <file path=ppt/slides/slide12.xml><?xml version="1.0" encoding="utf-8"?>
 <p:sld xmlns:a="http://schemas.openxmlformats.org/drawingml/2006/main" xmlns:r="http://schemas.openxmlformats.org/officeDocument/2006/relationships" xmlns:p="http://schemas.openxmlformats.org/presentationml/2006/main">
   <p:cSld>
+    <p:spTree>
+      <p:nvGrpSpPr>
+        <p:cNvPr id="1" name="Shape 673"/>
+        <p:cNvGrpSpPr/>
+        <p:nvPr/>
+      </p:nvGrpSpPr>
+      <p:grpSpPr>
+        <a:xfrm>
+          <a:off x="0" y="0"/>
+          <a:ext cx="0" cy="0"/>
+          <a:chOff x="0" y="0"/>
+          <a:chExt cx="0" cy="0"/>
+        </a:xfrm>
+      </p:grpSpPr>
+      <p:sp>
+        <p:nvSpPr>
+          <p:cNvPr id="693" name="Google Shape;693;p47"/>
+          <p:cNvSpPr txBox="1">
+            <a:spLocks noGrp="1"/>
+          </p:cNvSpPr>
+          <p:nvPr>
+            <p:ph type="title"/>
+          </p:nvPr>
+        </p:nvSpPr>
+        <p:spPr>
+          <a:xfrm>
+            <a:off x="713100" y="544800"/>
+            <a:ext cx="7717800" cy="694500"/>
+          </a:xfrm>
+          <a:prstGeom prst="rect">
+            <a:avLst/>
+          </a:prstGeom>
+        </p:spPr>
+        <p:txBody>
+          <a:bodyPr spcFirstLastPara="1" wrap="square" lIns="91425" tIns="91425" rIns="91425" bIns="91425" anchor="ctr" anchorCtr="0">
+            <a:noAutofit/>
+          </a:bodyPr>
+          <a:lstStyle/>
+          <a:p>
+            <a:pPr marL="0" lvl="0" indent="0" algn="ctr" rtl="0">
+              <a:spcBef>
+                <a:spcPts val="0"/>
+              </a:spcBef>
+              <a:spcAft>
+                <a:spcPts val="0"/>
+              </a:spcAft>
+              <a:buNone/>
+            </a:pPr>
+            <a:r>
+              <a:rPr lang="en" b="0" dirty="0"/>
+              <a:t>DOCKER</a:t>
+            </a:r>
+            <a:endParaRPr b="0" dirty="0"/>
+          </a:p>
+        </p:txBody>
+      </p:sp>
+      <p:grpSp>
+        <p:nvGrpSpPr>
+          <p:cNvPr id="694" name="Google Shape;694;p47"/>
+          <p:cNvGrpSpPr/>
+          <p:nvPr/>
+        </p:nvGrpSpPr>
+        <p:grpSpPr>
+          <a:xfrm>
+            <a:off x="398522" y="645828"/>
+            <a:ext cx="1914513" cy="1325388"/>
+            <a:chOff x="398522" y="645828"/>
+            <a:chExt cx="1914513" cy="1325388"/>
+          </a:xfrm>
+        </p:grpSpPr>
+        <p:sp>
+          <p:nvSpPr>
+            <p:cNvPr id="695" name="Google Shape;695;p47"/>
+            <p:cNvSpPr/>
+            <p:nvPr/>
+          </p:nvSpPr>
+          <p:spPr>
+            <a:xfrm rot="-1269225">
+              <a:off x="471984" y="939927"/>
+              <a:ext cx="1767591" cy="737189"/>
+            </a:xfrm>
+            <a:custGeom>
+              <a:avLst/>
+              <a:gdLst/>
+              <a:ahLst/>
+              <a:cxnLst/>
+              <a:rect l="l" t="t" r="r" b="b"/>
+              <a:pathLst>
+                <a:path w="26567" h="11080" extrusionOk="0">
+                  <a:moveTo>
+                    <a:pt x="2659" y="1"/>
+                  </a:moveTo>
+                  <a:cubicBezTo>
+                    <a:pt x="1226" y="1"/>
+                    <a:pt x="48" y="1179"/>
+                    <a:pt x="32" y="2611"/>
+                  </a:cubicBezTo>
+                  <a:lnTo>
+                    <a:pt x="16" y="5604"/>
+                  </a:lnTo>
+                  <a:cubicBezTo>
+                    <a:pt x="0" y="6304"/>
+                    <a:pt x="271" y="6957"/>
+                    <a:pt x="764" y="7466"/>
+                  </a:cubicBezTo>
+                  <a:cubicBezTo>
+                    <a:pt x="1258" y="7960"/>
+                    <a:pt x="1910" y="8230"/>
+                    <a:pt x="2611" y="8246"/>
+                  </a:cubicBezTo>
+                  <a:lnTo>
+                    <a:pt x="20852" y="8373"/>
+                  </a:lnTo>
+                  <a:lnTo>
+                    <a:pt x="22476" y="10634"/>
+                  </a:lnTo>
+                  <a:cubicBezTo>
+                    <a:pt x="22683" y="10920"/>
+                    <a:pt x="23017" y="11079"/>
+                    <a:pt x="23367" y="11079"/>
+                  </a:cubicBezTo>
+                  <a:cubicBezTo>
+                    <a:pt x="23988" y="11079"/>
+                    <a:pt x="24481" y="10602"/>
+                    <a:pt x="24481" y="9997"/>
+                  </a:cubicBezTo>
+                  <a:lnTo>
+                    <a:pt x="24497" y="8326"/>
+                  </a:lnTo>
+                  <a:cubicBezTo>
+                    <a:pt x="25643" y="8055"/>
+                    <a:pt x="26519" y="7020"/>
+                    <a:pt x="26535" y="5779"/>
+                  </a:cubicBezTo>
+                  <a:lnTo>
+                    <a:pt x="26551" y="2786"/>
+                  </a:lnTo>
+                  <a:cubicBezTo>
+                    <a:pt x="26567" y="1338"/>
+                    <a:pt x="25389" y="160"/>
+                    <a:pt x="23956" y="144"/>
+                  </a:cubicBezTo>
+                  <a:lnTo>
+                    <a:pt x="2659" y="1"/>
+                  </a:lnTo>
+                  <a:close/>
+                </a:path>
+              </a:pathLst>
+            </a:custGeom>
+            <a:solidFill>
+              <a:schemeClr val="lt1"/>
+            </a:solidFill>
+            <a:ln w="19050" cap="flat" cmpd="sng">
+              <a:solidFill>
+                <a:schemeClr val="lt1"/>
+              </a:solidFill>
+              <a:prstDash val="solid"/>
+              <a:round/>
+              <a:headEnd type="none" w="sm" len="sm"/>
+              <a:tailEnd type="none" w="sm" len="sm"/>
+            </a:ln>
+            <a:effectLst>
+              <a:outerShdw dist="66675" dir="1800000" algn="bl" rotWithShape="0">
+                <a:schemeClr val="lt2"/>
+              </a:outerShdw>
+            </a:effectLst>
+          </p:spPr>
+          <p:txBody>
+            <a:bodyPr spcFirstLastPara="1" wrap="square" lIns="91425" tIns="91425" rIns="91425" bIns="91425" anchor="ctr" anchorCtr="0">
+              <a:noAutofit/>
+            </a:bodyPr>
+            <a:lstStyle/>
+            <a:p>
+              <a:pPr marL="0" marR="0" lvl="0" indent="0" algn="l" rtl="0">
+                <a:lnSpc>
+                  <a:spcPct val="100000"/>
+                </a:lnSpc>
+                <a:spcBef>
+                  <a:spcPts val="0"/>
+                </a:spcBef>
+                <a:spcAft>
+                  <a:spcPts val="0"/>
+                </a:spcAft>
+                <a:buNone/>
+              </a:pPr>
+              <a:endParaRPr/>
+            </a:p>
+          </p:txBody>
+        </p:sp>
+        <p:sp>
+          <p:nvSpPr>
+            <p:cNvPr id="696" name="Google Shape;696;p47"/>
+            <p:cNvSpPr/>
+            <p:nvPr/>
+          </p:nvSpPr>
+          <p:spPr>
+            <a:xfrm rot="-1269225">
+              <a:off x="512453" y="980139"/>
+              <a:ext cx="1687085" cy="657881"/>
+            </a:xfrm>
+            <a:custGeom>
+              <a:avLst/>
+              <a:gdLst/>
+              <a:ahLst/>
+              <a:cxnLst/>
+              <a:rect l="l" t="t" r="r" b="b"/>
+              <a:pathLst>
+                <a:path w="25357" h="9888" extrusionOk="0">
+                  <a:moveTo>
+                    <a:pt x="2040" y="0"/>
+                  </a:moveTo>
+                  <a:cubicBezTo>
+                    <a:pt x="924" y="0"/>
+                    <a:pt x="32" y="902"/>
+                    <a:pt x="16" y="2006"/>
+                  </a:cubicBezTo>
+                  <a:lnTo>
+                    <a:pt x="0" y="4999"/>
+                  </a:lnTo>
+                  <a:cubicBezTo>
+                    <a:pt x="0" y="6113"/>
+                    <a:pt x="892" y="7036"/>
+                    <a:pt x="2022" y="7036"/>
+                  </a:cubicBezTo>
+                  <a:lnTo>
+                    <a:pt x="20550" y="7164"/>
+                  </a:lnTo>
+                  <a:lnTo>
+                    <a:pt x="22364" y="9678"/>
+                  </a:lnTo>
+                  <a:cubicBezTo>
+                    <a:pt x="22468" y="9823"/>
+                    <a:pt x="22617" y="9888"/>
+                    <a:pt x="22764" y="9888"/>
+                  </a:cubicBezTo>
+                  <a:cubicBezTo>
+                    <a:pt x="23020" y="9888"/>
+                    <a:pt x="23272" y="9690"/>
+                    <a:pt x="23272" y="9376"/>
+                  </a:cubicBezTo>
+                  <a:lnTo>
+                    <a:pt x="23287" y="7179"/>
+                  </a:lnTo>
+                  <a:cubicBezTo>
+                    <a:pt x="23297" y="7180"/>
+                    <a:pt x="23307" y="7180"/>
+                    <a:pt x="23317" y="7180"/>
+                  </a:cubicBezTo>
+                  <a:cubicBezTo>
+                    <a:pt x="24433" y="7180"/>
+                    <a:pt x="25325" y="6278"/>
+                    <a:pt x="25325" y="5174"/>
+                  </a:cubicBezTo>
+                  <a:lnTo>
+                    <a:pt x="25357" y="2181"/>
+                  </a:lnTo>
+                  <a:cubicBezTo>
+                    <a:pt x="25357" y="1067"/>
+                    <a:pt x="24465" y="144"/>
+                    <a:pt x="23335" y="144"/>
+                  </a:cubicBezTo>
+                  <a:lnTo>
+                    <a:pt x="2069" y="1"/>
+                  </a:lnTo>
+                  <a:cubicBezTo>
+                    <a:pt x="2060" y="1"/>
+                    <a:pt x="2050" y="0"/>
+                    <a:pt x="2040" y="0"/>
+                  </a:cubicBezTo>
+                  <a:close/>
+                </a:path>
+              </a:pathLst>
+            </a:custGeom>
+            <a:solidFill>
+              <a:schemeClr val="lt2"/>
+            </a:solidFill>
+            <a:ln>
+              <a:noFill/>
+            </a:ln>
+          </p:spPr>
+          <p:txBody>
+            <a:bodyPr spcFirstLastPara="1" wrap="square" lIns="91425" tIns="91425" rIns="91425" bIns="91425" anchor="ctr" anchorCtr="0">
+              <a:noAutofit/>
+            </a:bodyPr>
+            <a:lstStyle/>
+            <a:p>
+              <a:pPr marL="0" lvl="0" indent="0" algn="l" rtl="0">
+                <a:spcBef>
+                  <a:spcPts val="0"/>
+                </a:spcBef>
+                <a:spcAft>
+                  <a:spcPts val="0"/>
+                </a:spcAft>
+                <a:buNone/>
+              </a:pPr>
+              <a:endParaRPr/>
+            </a:p>
+          </p:txBody>
+        </p:sp>
+        <p:sp>
+          <p:nvSpPr>
+            <p:cNvPr id="697" name="Google Shape;697;p47"/>
+            <p:cNvSpPr/>
+            <p:nvPr/>
+          </p:nvSpPr>
+          <p:spPr>
+            <a:xfrm rot="-1269225">
+              <a:off x="666808" y="1318694"/>
+              <a:ext cx="234131" cy="222421"/>
+            </a:xfrm>
+            <a:custGeom>
+              <a:avLst/>
+              <a:gdLst/>
+              <a:ahLst/>
+              <a:cxnLst/>
+              <a:rect l="l" t="t" r="r" b="b"/>
+              <a:pathLst>
+                <a:path w="3519" h="3343" extrusionOk="0">
+                  <a:moveTo>
+                    <a:pt x="1767" y="0"/>
+                  </a:moveTo>
+                  <a:lnTo>
+                    <a:pt x="1210" y="1098"/>
+                  </a:lnTo>
+                  <a:lnTo>
+                    <a:pt x="1" y="1257"/>
+                  </a:lnTo>
+                  <a:lnTo>
+                    <a:pt x="876" y="2117"/>
+                  </a:lnTo>
+                  <a:lnTo>
+                    <a:pt x="653" y="3327"/>
+                  </a:lnTo>
+                  <a:lnTo>
+                    <a:pt x="653" y="3327"/>
+                  </a:lnTo>
+                  <a:lnTo>
+                    <a:pt x="1751" y="2770"/>
+                  </a:lnTo>
+                  <a:lnTo>
+                    <a:pt x="2834" y="3343"/>
+                  </a:lnTo>
+                  <a:lnTo>
+                    <a:pt x="2627" y="2133"/>
+                  </a:lnTo>
+                  <a:lnTo>
+                    <a:pt x="3518" y="1289"/>
+                  </a:lnTo>
+                  <a:lnTo>
+                    <a:pt x="2309" y="1098"/>
+                  </a:lnTo>
+                  <a:lnTo>
+                    <a:pt x="1767" y="0"/>
+                  </a:lnTo>
+                  <a:close/>
+                </a:path>
+              </a:pathLst>
+            </a:custGeom>
+            <a:solidFill>
+              <a:schemeClr val="dk2"/>
+            </a:solidFill>
+            <a:ln>
+              <a:noFill/>
+            </a:ln>
+          </p:spPr>
+          <p:txBody>
+            <a:bodyPr spcFirstLastPara="1" wrap="square" lIns="91425" tIns="91425" rIns="91425" bIns="91425" anchor="ctr" anchorCtr="0">
+              <a:noAutofit/>
+            </a:bodyPr>
+            <a:lstStyle/>
+            <a:p>
+              <a:pPr marL="0" lvl="0" indent="0" algn="l" rtl="0">
+                <a:spcBef>
+                  <a:spcPts val="0"/>
+                </a:spcBef>
+                <a:spcAft>
+                  <a:spcPts val="0"/>
+                </a:spcAft>
+                <a:buNone/>
+              </a:pPr>
+              <a:endParaRPr/>
+            </a:p>
+          </p:txBody>
+        </p:sp>
+        <p:sp>
+          <p:nvSpPr>
+            <p:cNvPr id="698" name="Google Shape;698;p47"/>
+            <p:cNvSpPr/>
+            <p:nvPr/>
+          </p:nvSpPr>
+          <p:spPr>
+            <a:xfrm rot="-1269225">
+              <a:off x="937270" y="1216466"/>
+              <a:ext cx="233000" cy="222487"/>
+            </a:xfrm>
+            <a:custGeom>
+              <a:avLst/>
+              <a:gdLst/>
+              <a:ahLst/>
+              <a:cxnLst/>
+              <a:rect l="l" t="t" r="r" b="b"/>
+              <a:pathLst>
+                <a:path w="3502" h="3344" extrusionOk="0">
+                  <a:moveTo>
+                    <a:pt x="1767" y="1"/>
+                  </a:moveTo>
+                  <a:lnTo>
+                    <a:pt x="1210" y="1099"/>
+                  </a:lnTo>
+                  <a:lnTo>
+                    <a:pt x="0" y="1258"/>
+                  </a:lnTo>
+                  <a:lnTo>
+                    <a:pt x="860" y="2118"/>
+                  </a:lnTo>
+                  <a:lnTo>
+                    <a:pt x="653" y="3328"/>
+                  </a:lnTo>
+                  <a:lnTo>
+                    <a:pt x="1735" y="2770"/>
+                  </a:lnTo>
+                  <a:lnTo>
+                    <a:pt x="2817" y="3344"/>
+                  </a:lnTo>
+                  <a:lnTo>
+                    <a:pt x="2817" y="3344"/>
+                  </a:lnTo>
+                  <a:lnTo>
+                    <a:pt x="2626" y="2134"/>
+                  </a:lnTo>
+                  <a:lnTo>
+                    <a:pt x="3502" y="1290"/>
+                  </a:lnTo>
+                  <a:lnTo>
+                    <a:pt x="2292" y="1099"/>
+                  </a:lnTo>
+                  <a:lnTo>
+                    <a:pt x="1767" y="1"/>
+                  </a:lnTo>
+                  <a:close/>
+                </a:path>
+              </a:pathLst>
+            </a:custGeom>
+            <a:solidFill>
+              <a:schemeClr val="dk2"/>
+            </a:solidFill>
+            <a:ln>
+              <a:noFill/>
+            </a:ln>
+          </p:spPr>
+          <p:txBody>
+            <a:bodyPr spcFirstLastPara="1" wrap="square" lIns="91425" tIns="91425" rIns="91425" bIns="91425" anchor="ctr" anchorCtr="0">
+              <a:noAutofit/>
+            </a:bodyPr>
+            <a:lstStyle/>
+            <a:p>
+              <a:pPr marL="0" lvl="0" indent="0" algn="l" rtl="0">
+                <a:spcBef>
+                  <a:spcPts val="0"/>
+                </a:spcBef>
+                <a:spcAft>
+                  <a:spcPts val="0"/>
+                </a:spcAft>
+                <a:buNone/>
+              </a:pPr>
+              <a:endParaRPr/>
+            </a:p>
+          </p:txBody>
+        </p:sp>
+        <p:sp>
+          <p:nvSpPr>
+            <p:cNvPr id="699" name="Google Shape;699;p47"/>
+            <p:cNvSpPr/>
+            <p:nvPr/>
+          </p:nvSpPr>
+          <p:spPr>
+            <a:xfrm rot="-1269225">
+              <a:off x="1206421" y="1113273"/>
+              <a:ext cx="234131" cy="223552"/>
+            </a:xfrm>
+            <a:custGeom>
+              <a:avLst/>
+              <a:gdLst/>
+              <a:ahLst/>
+              <a:cxnLst/>
+              <a:rect l="l" t="t" r="r" b="b"/>
+              <a:pathLst>
+                <a:path w="3519" h="3360" extrusionOk="0">
+                  <a:moveTo>
+                    <a:pt x="1767" y="1"/>
+                  </a:moveTo>
+                  <a:lnTo>
+                    <a:pt x="1226" y="1099"/>
+                  </a:lnTo>
+                  <a:lnTo>
+                    <a:pt x="1" y="1274"/>
+                  </a:lnTo>
+                  <a:lnTo>
+                    <a:pt x="876" y="2134"/>
+                  </a:lnTo>
+                  <a:lnTo>
+                    <a:pt x="653" y="3343"/>
+                  </a:lnTo>
+                  <a:lnTo>
+                    <a:pt x="1751" y="2786"/>
+                  </a:lnTo>
+                  <a:lnTo>
+                    <a:pt x="2834" y="3359"/>
+                  </a:lnTo>
+                  <a:lnTo>
+                    <a:pt x="2834" y="3359"/>
+                  </a:lnTo>
+                  <a:lnTo>
+                    <a:pt x="2627" y="2150"/>
+                  </a:lnTo>
+                  <a:lnTo>
+                    <a:pt x="3518" y="1290"/>
+                  </a:lnTo>
+                  <a:lnTo>
+                    <a:pt x="2309" y="1115"/>
+                  </a:lnTo>
+                  <a:lnTo>
+                    <a:pt x="1767" y="1"/>
+                  </a:lnTo>
+                  <a:close/>
+                </a:path>
+              </a:pathLst>
+            </a:custGeom>
+            <a:solidFill>
+              <a:schemeClr val="dk2"/>
+            </a:solidFill>
+            <a:ln>
+              <a:noFill/>
+            </a:ln>
+          </p:spPr>
+          <p:txBody>
+            <a:bodyPr spcFirstLastPara="1" wrap="square" lIns="91425" tIns="91425" rIns="91425" bIns="91425" anchor="ctr" anchorCtr="0">
+              <a:noAutofit/>
+            </a:bodyPr>
+            <a:lstStyle/>
+            <a:p>
+              <a:pPr marL="0" lvl="0" indent="0" algn="l" rtl="0">
+                <a:spcBef>
+                  <a:spcPts val="0"/>
+                </a:spcBef>
+                <a:spcAft>
+                  <a:spcPts val="0"/>
+                </a:spcAft>
+                <a:buNone/>
+              </a:pPr>
+              <a:endParaRPr/>
+            </a:p>
+          </p:txBody>
+        </p:sp>
+        <p:sp>
+          <p:nvSpPr>
+            <p:cNvPr id="700" name="Google Shape;700;p47"/>
+            <p:cNvSpPr/>
+            <p:nvPr/>
+          </p:nvSpPr>
+          <p:spPr>
+            <a:xfrm rot="-1269225">
+              <a:off x="1476859" y="1010916"/>
+              <a:ext cx="234064" cy="223552"/>
+            </a:xfrm>
+            <a:custGeom>
+              <a:avLst/>
+              <a:gdLst/>
+              <a:ahLst/>
+              <a:cxnLst/>
+              <a:rect l="l" t="t" r="r" b="b"/>
+              <a:pathLst>
+                <a:path w="3518" h="3360" extrusionOk="0">
+                  <a:moveTo>
+                    <a:pt x="1767" y="1"/>
+                  </a:moveTo>
+                  <a:lnTo>
+                    <a:pt x="1210" y="1099"/>
+                  </a:lnTo>
+                  <a:lnTo>
+                    <a:pt x="0" y="1274"/>
+                  </a:lnTo>
+                  <a:lnTo>
+                    <a:pt x="875" y="2134"/>
+                  </a:lnTo>
+                  <a:lnTo>
+                    <a:pt x="653" y="3343"/>
+                  </a:lnTo>
+                  <a:lnTo>
+                    <a:pt x="1751" y="2786"/>
+                  </a:lnTo>
+                  <a:lnTo>
+                    <a:pt x="2833" y="3359"/>
+                  </a:lnTo>
+                  <a:lnTo>
+                    <a:pt x="2626" y="2149"/>
+                  </a:lnTo>
+                  <a:lnTo>
+                    <a:pt x="3518" y="1290"/>
+                  </a:lnTo>
+                  <a:lnTo>
+                    <a:pt x="2292" y="1115"/>
+                  </a:lnTo>
+                  <a:lnTo>
+                    <a:pt x="1767" y="1"/>
+                  </a:lnTo>
+                  <a:close/>
+                </a:path>
+              </a:pathLst>
+            </a:custGeom>
+            <a:solidFill>
+              <a:schemeClr val="dk2"/>
+            </a:solidFill>
+            <a:ln>
+              <a:noFill/>
+            </a:ln>
+          </p:spPr>
+          <p:txBody>
+            <a:bodyPr spcFirstLastPara="1" wrap="square" lIns="91425" tIns="91425" rIns="91425" bIns="91425" anchor="ctr" anchorCtr="0">
+              <a:noAutofit/>
+            </a:bodyPr>
+            <a:lstStyle/>
+            <a:p>
+              <a:pPr marL="0" lvl="0" indent="0" algn="l" rtl="0">
+                <a:spcBef>
+                  <a:spcPts val="0"/>
+                </a:spcBef>
+                <a:spcAft>
+                  <a:spcPts val="0"/>
+                </a:spcAft>
+                <a:buNone/>
+              </a:pPr>
+              <a:endParaRPr/>
+            </a:p>
+          </p:txBody>
+        </p:sp>
+        <p:sp>
+          <p:nvSpPr>
+            <p:cNvPr id="701" name="Google Shape;701;p47"/>
+            <p:cNvSpPr/>
+            <p:nvPr/>
+          </p:nvSpPr>
+          <p:spPr>
+            <a:xfrm rot="-1269225">
+              <a:off x="1746238" y="908944"/>
+              <a:ext cx="234131" cy="223552"/>
+            </a:xfrm>
+            <a:custGeom>
+              <a:avLst/>
+              <a:gdLst/>
+              <a:ahLst/>
+              <a:cxnLst/>
+              <a:rect l="l" t="t" r="r" b="b"/>
+              <a:pathLst>
+                <a:path w="3519" h="3360" extrusionOk="0">
+                  <a:moveTo>
+                    <a:pt x="1767" y="0"/>
+                  </a:moveTo>
+                  <a:lnTo>
+                    <a:pt x="1226" y="1099"/>
+                  </a:lnTo>
+                  <a:lnTo>
+                    <a:pt x="1" y="1274"/>
+                  </a:lnTo>
+                  <a:lnTo>
+                    <a:pt x="876" y="2133"/>
+                  </a:lnTo>
+                  <a:lnTo>
+                    <a:pt x="669" y="3343"/>
+                  </a:lnTo>
+                  <a:lnTo>
+                    <a:pt x="1751" y="2770"/>
+                  </a:lnTo>
+                  <a:lnTo>
+                    <a:pt x="2834" y="3359"/>
+                  </a:lnTo>
+                  <a:lnTo>
+                    <a:pt x="2643" y="2149"/>
+                  </a:lnTo>
+                  <a:lnTo>
+                    <a:pt x="3518" y="1290"/>
+                  </a:lnTo>
+                  <a:lnTo>
+                    <a:pt x="2309" y="1115"/>
+                  </a:lnTo>
+                  <a:lnTo>
+                    <a:pt x="1767" y="0"/>
+                  </a:lnTo>
+                  <a:close/>
+                </a:path>
+              </a:pathLst>
+            </a:custGeom>
+            <a:solidFill>
+              <a:schemeClr val="dk2"/>
+            </a:solidFill>
+            <a:ln>
+              <a:noFill/>
+            </a:ln>
+          </p:spPr>
+          <p:txBody>
+            <a:bodyPr spcFirstLastPara="1" wrap="square" lIns="91425" tIns="91425" rIns="91425" bIns="91425" anchor="ctr" anchorCtr="0">
+              <a:noAutofit/>
+            </a:bodyPr>
+            <a:lstStyle/>
+            <a:p>
+              <a:pPr marL="0" lvl="0" indent="0" algn="l" rtl="0">
+                <a:spcBef>
+                  <a:spcPts val="0"/>
+                </a:spcBef>
+                <a:spcAft>
+                  <a:spcPts val="0"/>
+                </a:spcAft>
+                <a:buNone/>
+              </a:pPr>
+              <a:endParaRPr/>
+            </a:p>
+          </p:txBody>
+        </p:sp>
+      </p:grpSp>
+      <p:pic>
+        <p:nvPicPr>
+          <p:cNvPr id="2" name="Picture 1">
+            <a:extLst>
+              <a:ext uri="{FF2B5EF4-FFF2-40B4-BE49-F238E27FC236}">
+                <a16:creationId xmlns:a16="http://schemas.microsoft.com/office/drawing/2014/main" id="{21668BF8-CAB2-5B1C-0526-A624BCE7727D}"/>
+              </a:ext>
+            </a:extLst>
+          </p:cNvPr>
+          <p:cNvPicPr>
+            <a:picLocks noChangeAspect="1"/>
+          </p:cNvPicPr>
+          <p:nvPr/>
+        </p:nvPicPr>
+        <p:blipFill>
+          <a:blip r:embed="rId3"/>
+          <a:stretch>
+            <a:fillRect/>
+          </a:stretch>
+        </p:blipFill>
+        <p:spPr>
+          <a:xfrm>
+            <a:off x="1863303" y="1473499"/>
+            <a:ext cx="5624350" cy="3183594"/>
+          </a:xfrm>
+          <a:prstGeom prst="rect">
+            <a:avLst/>
+          </a:prstGeom>
+        </p:spPr>
+      </p:pic>
+    </p:spTree>
+    <p:extLst>
+      <p:ext uri="{BB962C8B-B14F-4D97-AF65-F5344CB8AC3E}">
+        <p14:creationId xmlns:p14="http://schemas.microsoft.com/office/powerpoint/2010/main" val="907292435"/>
+      </p:ext>
+    </p:extLst>
+  </p:cSld>
+  <p:clrMapOvr>
+    <a:masterClrMapping/>
+  </p:clrMapOvr>
+</p:sld>
+</file>
+
+<file path=ppt/slides/slide13.xml><?xml version="1.0" encoding="utf-8"?>
+<p:sld xmlns:a="http://schemas.openxmlformats.org/drawingml/2006/main" xmlns:r="http://schemas.openxmlformats.org/officeDocument/2006/relationships" xmlns:p="http://schemas.openxmlformats.org/presentationml/2006/main">
+  <p:cSld>
     <p:bg>
       <p:bgPr>
         <a:solidFill>
@@ -22263,7 +23138,7 @@
 </p:sld>
 </file>
 
-<file path=ppt/slides/slide13.xml><?xml version="1.0" encoding="utf-8"?>
+<file path=ppt/slides/slide14.xml><?xml version="1.0" encoding="utf-8"?>
 <p:sld xmlns:a="http://schemas.openxmlformats.org/drawingml/2006/main" xmlns:r="http://schemas.openxmlformats.org/officeDocument/2006/relationships" xmlns:p="http://schemas.openxmlformats.org/presentationml/2006/main">
   <p:cSld>
     <p:spTree>

--- a/report/Video Editor.pptx
+++ b/report/Video Editor.pptx
@@ -34653,7 +34653,7 @@
                 <a:effectLst/>
                 <a:latin typeface="Times New Roman" panose="02020603050405020304" pitchFamily="18" charset="0"/>
               </a:rPr>
-              <a:t>Phần mềm được đặc tả trong này là một ứng dụng </a:t>
+              <a:t>Phần mềm là một ứng dụng </a:t>
             </a:r>
             <a:r>
               <a:rPr lang="vi-VN" sz="1800" b="0" i="0" u="none" strike="noStrike" dirty="0" err="1">
@@ -34813,7 +34813,37 @@
                 <a:effectLst/>
                 <a:latin typeface="Times New Roman" panose="02020603050405020304" pitchFamily="18" charset="0"/>
               </a:rPr>
-              <a:t> như cắt, ghép, thêm hiệu ứng, sử dụng mẫu có sẵn, thêm thanh cho </a:t>
+              <a:t> như cắt, ghép, thêm hiệu ứng, sử dụng mẫu có sẵn, thêm </a:t>
+            </a:r>
+            <a:r>
+              <a:rPr lang="en-US" sz="1800" b="0" i="0" u="none" strike="noStrike" dirty="0" err="1">
+                <a:solidFill>
+                  <a:srgbClr val="2D3561"/>
+                </a:solidFill>
+                <a:effectLst/>
+                <a:latin typeface="Times New Roman" panose="02020603050405020304" pitchFamily="18" charset="0"/>
+              </a:rPr>
+              <a:t>âm</a:t>
+            </a:r>
+            <a:r>
+              <a:rPr lang="en-US" sz="1800" b="0" i="0" u="none" strike="noStrike" dirty="0">
+                <a:solidFill>
+                  <a:srgbClr val="2D3561"/>
+                </a:solidFill>
+                <a:effectLst/>
+                <a:latin typeface="Times New Roman" panose="02020603050405020304" pitchFamily="18" charset="0"/>
+              </a:rPr>
+              <a:t> </a:t>
+            </a:r>
+            <a:r>
+              <a:rPr lang="vi-VN" sz="1800" b="0" i="0" u="none" strike="noStrike" dirty="0">
+                <a:solidFill>
+                  <a:srgbClr val="2D3561"/>
+                </a:solidFill>
+                <a:effectLst/>
+                <a:latin typeface="Times New Roman" panose="02020603050405020304" pitchFamily="18" charset="0"/>
+              </a:rPr>
+              <a:t>thanh cho </a:t>
             </a:r>
             <a:r>
               <a:rPr lang="vi-VN" sz="1800" b="0" i="0" u="none" strike="noStrike" dirty="0" err="1">
